--- a/Cours1.pptx
+++ b/Cours1.pptx
@@ -5,10 +5,10 @@
     <p:sldMasterId id="2147483648" r:id="rId1"/>
   </p:sldMasterIdLst>
   <p:notesMasterIdLst>
-    <p:notesMasterId r:id="rId21"/>
+    <p:notesMasterId r:id="rId22"/>
   </p:notesMasterIdLst>
   <p:handoutMasterIdLst>
-    <p:handoutMasterId r:id="rId22"/>
+    <p:handoutMasterId r:id="rId23"/>
   </p:handoutMasterIdLst>
   <p:sldIdLst>
     <p:sldId id="324" r:id="rId2"/>
@@ -30,6 +30,7 @@
     <p:sldId id="341" r:id="rId18"/>
     <p:sldId id="342" r:id="rId19"/>
     <p:sldId id="343" r:id="rId20"/>
+    <p:sldId id="344" r:id="rId21"/>
   </p:sldIdLst>
   <p:sldSz cx="9144000" cy="6858000" type="screen4x3"/>
   <p:notesSz cx="6858000" cy="9144000"/>
@@ -259,7 +260,7 @@
               <a:pPr>
                 <a:defRPr/>
               </a:pPr>
-              <a:t>21/10/2013</a:t>
+              <a:t>24/10/2013</a:t>
             </a:fld>
             <a:endParaRPr lang="fr-FR"/>
           </a:p>
@@ -458,7 +459,7 @@
               <a:pPr>
                 <a:defRPr/>
               </a:pPr>
-              <a:t>21/10/2013</a:t>
+              <a:t>24/10/2013</a:t>
             </a:fld>
             <a:endParaRPr lang="fr-FR"/>
           </a:p>
@@ -1051,6 +1052,96 @@
 </p:notes>
 </file>
 
+<file path=ppt/notesSlides/notesSlide4.xml><?xml version="1.0" encoding="utf-8"?>
+<p:notes xmlns:a="http://schemas.openxmlformats.org/drawingml/2006/main" xmlns:r="http://schemas.openxmlformats.org/officeDocument/2006/relationships" xmlns:p="http://schemas.openxmlformats.org/presentationml/2006/main">
+  <p:cSld>
+    <p:spTree>
+      <p:nvGrpSpPr>
+        <p:cNvPr id="1" name=""/>
+        <p:cNvGrpSpPr/>
+        <p:nvPr/>
+      </p:nvGrpSpPr>
+      <p:grpSpPr>
+        <a:xfrm>
+          <a:off x="0" y="0"/>
+          <a:ext cx="0" cy="0"/>
+          <a:chOff x="0" y="0"/>
+          <a:chExt cx="0" cy="0"/>
+        </a:xfrm>
+      </p:grpSpPr>
+      <p:sp>
+        <p:nvSpPr>
+          <p:cNvPr id="2" name="Espace réservé de l'image des diapositives 1"/>
+          <p:cNvSpPr>
+            <a:spLocks noGrp="1" noRot="1" noChangeAspect="1"/>
+          </p:cNvSpPr>
+          <p:nvPr>
+            <p:ph type="sldImg"/>
+          </p:nvPr>
+        </p:nvSpPr>
+        <p:spPr/>
+      </p:sp>
+      <p:sp>
+        <p:nvSpPr>
+          <p:cNvPr id="3" name="Espace réservé des commentaires 2"/>
+          <p:cNvSpPr>
+            <a:spLocks noGrp="1"/>
+          </p:cNvSpPr>
+          <p:nvPr>
+            <p:ph type="body" idx="1"/>
+          </p:nvPr>
+        </p:nvSpPr>
+        <p:spPr/>
+        <p:txBody>
+          <a:bodyPr/>
+          <a:lstStyle/>
+          <a:p>
+            <a:endParaRPr lang="en-US" dirty="0"/>
+          </a:p>
+        </p:txBody>
+      </p:sp>
+      <p:sp>
+        <p:nvSpPr>
+          <p:cNvPr id="4" name="Espace réservé du numéro de diapositive 3"/>
+          <p:cNvSpPr>
+            <a:spLocks noGrp="1"/>
+          </p:cNvSpPr>
+          <p:nvPr>
+            <p:ph type="sldNum" sz="quarter" idx="10"/>
+          </p:nvPr>
+        </p:nvSpPr>
+        <p:spPr/>
+        <p:txBody>
+          <a:bodyPr/>
+          <a:lstStyle/>
+          <a:p>
+            <a:pPr>
+              <a:defRPr/>
+            </a:pPr>
+            <a:fld id="{A1EEF835-D4D8-4C11-BB37-27E80C2B4B06}" type="slidenum">
+              <a:rPr lang="fr-FR" smtClean="0"/>
+              <a:pPr>
+                <a:defRPr/>
+              </a:pPr>
+              <a:t>20</a:t>
+            </a:fld>
+            <a:endParaRPr lang="fr-FR"/>
+          </a:p>
+        </p:txBody>
+      </p:sp>
+    </p:spTree>
+    <p:extLst>
+      <p:ext uri="{BB962C8B-B14F-4D97-AF65-F5344CB8AC3E}">
+        <p14:creationId xmlns:p14="http://schemas.microsoft.com/office/powerpoint/2010/main" val="2825035193"/>
+      </p:ext>
+    </p:extLst>
+  </p:cSld>
+  <p:clrMapOvr>
+    <a:masterClrMapping/>
+  </p:clrMapOvr>
+</p:notes>
+</file>
+
 <file path=ppt/slideLayouts/slideLayout1.xml><?xml version="1.0" encoding="utf-8"?>
 <p:sldLayout xmlns:a="http://schemas.openxmlformats.org/drawingml/2006/main" xmlns:r="http://schemas.openxmlformats.org/officeDocument/2006/relationships" xmlns:p="http://schemas.openxmlformats.org/presentationml/2006/main" type="obj" preserve="1">
   <p:cSld name="Titre et contenu">
@@ -1429,7 +1520,7 @@
               <a:pPr>
                 <a:defRPr/>
               </a:pPr>
-              <a:t>21/10/2013</a:t>
+              <a:t>24/10/2013</a:t>
             </a:fld>
             <a:endParaRPr lang="fr-FR"/>
           </a:p>
@@ -4214,7 +4305,7 @@
           <a:graphicData uri="http://schemas.openxmlformats.org/presentationml/2006/ole">
             <mc:AlternateContent xmlns:mc="http://schemas.openxmlformats.org/markup-compatibility/2006">
               <mc:Choice xmlns:v="urn:schemas-microsoft-com:vml" Requires="v">
-                <p:oleObj spid="_x0000_s8234" name="Équation" r:id="rId3" imgW="3682800" imgH="990360" progId="Equation.3">
+                <p:oleObj spid="_x0000_s8254" name="Équation" r:id="rId3" imgW="3682800" imgH="990360" progId="Equation.3">
                   <p:embed/>
                 </p:oleObj>
               </mc:Choice>
@@ -4271,7 +4362,7 @@
           <a:graphicData uri="http://schemas.openxmlformats.org/presentationml/2006/ole">
             <mc:AlternateContent xmlns:mc="http://schemas.openxmlformats.org/markup-compatibility/2006">
               <mc:Choice xmlns:v="urn:schemas-microsoft-com:vml" Requires="v">
-                <p:oleObj spid="_x0000_s8235" name="Équation" r:id="rId5" imgW="647640" imgH="241200" progId="Equation.3">
+                <p:oleObj spid="_x0000_s8255" name="Équation" r:id="rId5" imgW="647640" imgH="241200" progId="Equation.3">
                   <p:embed/>
                 </p:oleObj>
               </mc:Choice>
@@ -4328,7 +4419,7 @@
           <a:graphicData uri="http://schemas.openxmlformats.org/presentationml/2006/ole">
             <mc:AlternateContent xmlns:mc="http://schemas.openxmlformats.org/markup-compatibility/2006">
               <mc:Choice xmlns:v="urn:schemas-microsoft-com:vml" Requires="v">
-                <p:oleObj spid="_x0000_s8236" name="Équation" r:id="rId7" imgW="1549080" imgH="380880" progId="Equation.3">
+                <p:oleObj spid="_x0000_s8256" name="Équation" r:id="rId7" imgW="1549080" imgH="380880" progId="Equation.3">
                   <p:embed/>
                 </p:oleObj>
               </mc:Choice>
@@ -4385,7 +4476,7 @@
           <a:graphicData uri="http://schemas.openxmlformats.org/presentationml/2006/ole">
             <mc:AlternateContent xmlns:mc="http://schemas.openxmlformats.org/markup-compatibility/2006">
               <mc:Choice xmlns:v="urn:schemas-microsoft-com:vml" Requires="v">
-                <p:oleObj spid="_x0000_s8237" name="Équation" r:id="rId9" imgW="1726920" imgH="380880" progId="Equation.3">
+                <p:oleObj spid="_x0000_s8257" name="Équation" r:id="rId9" imgW="1726920" imgH="380880" progId="Equation.3">
                   <p:embed/>
                 </p:oleObj>
               </mc:Choice>
@@ -5778,7 +5869,7 @@
         <p:spPr>
           <a:xfrm>
             <a:off x="4789432" y="3501008"/>
-            <a:ext cx="3888432" cy="738664"/>
+            <a:ext cx="4236922" cy="738664"/>
           </a:xfrm>
           <a:prstGeom prst="rect">
             <a:avLst/>
@@ -6616,6 +6707,735 @@
 </p:sld>
 </file>
 
+<file path=ppt/slides/slide20.xml><?xml version="1.0" encoding="utf-8"?>
+<p:sld xmlns:a="http://schemas.openxmlformats.org/drawingml/2006/main" xmlns:r="http://schemas.openxmlformats.org/officeDocument/2006/relationships" xmlns:p="http://schemas.openxmlformats.org/presentationml/2006/main">
+  <p:cSld>
+    <p:spTree>
+      <p:nvGrpSpPr>
+        <p:cNvPr id="1" name=""/>
+        <p:cNvGrpSpPr/>
+        <p:nvPr/>
+      </p:nvGrpSpPr>
+      <p:grpSpPr>
+        <a:xfrm>
+          <a:off x="0" y="0"/>
+          <a:ext cx="0" cy="0"/>
+          <a:chOff x="0" y="0"/>
+          <a:chExt cx="0" cy="0"/>
+        </a:xfrm>
+      </p:grpSpPr>
+      <p:sp>
+        <p:nvSpPr>
+          <p:cNvPr id="2" name="Titre 1"/>
+          <p:cNvSpPr>
+            <a:spLocks noGrp="1"/>
+          </p:cNvSpPr>
+          <p:nvPr>
+            <p:ph type="title"/>
+          </p:nvPr>
+        </p:nvSpPr>
+        <p:spPr>
+          <a:xfrm>
+            <a:off x="554066" y="214290"/>
+            <a:ext cx="8229600" cy="1143000"/>
+          </a:xfrm>
+        </p:spPr>
+        <p:txBody>
+          <a:bodyPr/>
+          <a:lstStyle/>
+          <a:p>
+            <a:r>
+              <a:rPr lang="fr-FR" dirty="0" smtClean="0"/>
+              <a:t>En Pratique - </a:t>
+            </a:r>
+            <a:r>
+              <a:rPr lang="fr-FR" dirty="0" smtClean="0"/>
+              <a:t>DRAGON</a:t>
+            </a:r>
+            <a:r>
+              <a:rPr lang="fr-FR" dirty="0" smtClean="0"/>
+              <a:t/>
+            </a:r>
+            <a:br>
+              <a:rPr lang="fr-FR" dirty="0" smtClean="0"/>
+            </a:br>
+            <a:r>
+              <a:rPr lang="fr-FR" dirty="0"/>
+              <a:t>Cas A : la sphère critique</a:t>
+            </a:r>
+          </a:p>
+        </p:txBody>
+      </p:sp>
+      <p:sp>
+        <p:nvSpPr>
+          <p:cNvPr id="3" name="Espace réservé du contenu 2"/>
+          <p:cNvSpPr>
+            <a:spLocks noGrp="1"/>
+          </p:cNvSpPr>
+          <p:nvPr>
+            <p:ph idx="1"/>
+          </p:nvPr>
+        </p:nvSpPr>
+        <p:spPr>
+          <a:xfrm>
+            <a:off x="0" y="1285860"/>
+            <a:ext cx="9144000" cy="5311492"/>
+          </a:xfrm>
+        </p:spPr>
+        <p:txBody>
+          <a:bodyPr/>
+          <a:lstStyle/>
+          <a:p>
+            <a:endParaRPr lang="fr-FR" dirty="0" smtClean="0"/>
+          </a:p>
+          <a:p>
+            <a:endParaRPr lang="fr-FR" dirty="0" smtClean="0"/>
+          </a:p>
+          <a:p>
+            <a:endParaRPr lang="fr-FR" dirty="0" smtClean="0"/>
+          </a:p>
+        </p:txBody>
+      </p:sp>
+      <p:sp>
+        <p:nvSpPr>
+          <p:cNvPr id="5" name="AutoShape 2" descr="http://upload.wikimedia.org/wikipedia/commons/a/a7/Centrale_nucleaire_REP.png"/>
+          <p:cNvSpPr>
+            <a:spLocks noChangeAspect="1" noChangeArrowheads="1"/>
+          </p:cNvSpPr>
+          <p:nvPr/>
+        </p:nvSpPr>
+        <p:spPr bwMode="auto">
+          <a:xfrm>
+            <a:off x="63500" y="-136525"/>
+            <a:ext cx="304800" cy="304800"/>
+          </a:xfrm>
+          <a:prstGeom prst="rect">
+            <a:avLst/>
+          </a:prstGeom>
+          <a:noFill/>
+          <a:extLst>
+            <a:ext uri="{909E8E84-426E-40DD-AFC4-6F175D3DCCD1}">
+              <a14:hiddenFill xmlns:a14="http://schemas.microsoft.com/office/drawing/2010/main">
+                <a:solidFill>
+                  <a:srgbClr val="FFFFFF"/>
+                </a:solidFill>
+              </a14:hiddenFill>
+            </a:ext>
+          </a:extLst>
+        </p:spPr>
+        <p:txBody>
+          <a:bodyPr vert="horz" wrap="square" lIns="91440" tIns="45720" rIns="91440" bIns="45720" numCol="1" anchor="t" anchorCtr="0" compatLnSpc="1">
+            <a:prstTxWarp prst="textNoShape">
+              <a:avLst/>
+            </a:prstTxWarp>
+          </a:bodyPr>
+          <a:lstStyle/>
+          <a:p>
+            <a:endParaRPr lang="en-US"/>
+          </a:p>
+        </p:txBody>
+      </p:sp>
+      <p:sp>
+        <p:nvSpPr>
+          <p:cNvPr id="35" name="Espace réservé du numéro de diapositive 3"/>
+          <p:cNvSpPr>
+            <a:spLocks noGrp="1"/>
+          </p:cNvSpPr>
+          <p:nvPr>
+            <p:ph type="sldNum" sz="quarter" idx="10"/>
+          </p:nvPr>
+        </p:nvSpPr>
+        <p:spPr>
+          <a:xfrm>
+            <a:off x="7010400" y="6492875"/>
+            <a:ext cx="2133600" cy="365125"/>
+          </a:xfrm>
+        </p:spPr>
+        <p:txBody>
+          <a:bodyPr/>
+          <a:lstStyle/>
+          <a:p>
+            <a:pPr>
+              <a:defRPr/>
+            </a:pPr>
+            <a:fld id="{59AC561E-4C57-476C-B893-1064C8457BAD}" type="slidenum">
+              <a:rPr lang="fr-FR" smtClean="0"/>
+              <a:pPr>
+                <a:defRPr/>
+              </a:pPr>
+              <a:t>20</a:t>
+            </a:fld>
+            <a:endParaRPr lang="fr-FR" dirty="0"/>
+          </a:p>
+        </p:txBody>
+      </p:sp>
+      <p:sp>
+        <p:nvSpPr>
+          <p:cNvPr id="9" name="AutoShape 2" descr="http://upload.wikimedia.org/wikipedia/commons/0/0a/PlainSphere.svg"/>
+          <p:cNvSpPr>
+            <a:spLocks noChangeAspect="1" noChangeArrowheads="1"/>
+          </p:cNvSpPr>
+          <p:nvPr/>
+        </p:nvSpPr>
+        <p:spPr bwMode="auto">
+          <a:xfrm>
+            <a:off x="155575" y="-144463"/>
+            <a:ext cx="304800" cy="304801"/>
+          </a:xfrm>
+          <a:prstGeom prst="rect">
+            <a:avLst/>
+          </a:prstGeom>
+          <a:noFill/>
+          <a:extLst>
+            <a:ext uri="{909E8E84-426E-40DD-AFC4-6F175D3DCCD1}">
+              <a14:hiddenFill xmlns:a14="http://schemas.microsoft.com/office/drawing/2010/main">
+                <a:solidFill>
+                  <a:srgbClr val="FFFFFF"/>
+                </a:solidFill>
+              </a14:hiddenFill>
+            </a:ext>
+          </a:extLst>
+        </p:spPr>
+        <p:txBody>
+          <a:bodyPr vert="horz" wrap="square" lIns="91440" tIns="45720" rIns="91440" bIns="45720" numCol="1" anchor="t" anchorCtr="0" compatLnSpc="1">
+            <a:prstTxWarp prst="textNoShape">
+              <a:avLst/>
+            </a:prstTxWarp>
+          </a:bodyPr>
+          <a:lstStyle/>
+          <a:p>
+            <a:endParaRPr lang="en-US"/>
+          </a:p>
+        </p:txBody>
+      </p:sp>
+      <p:sp>
+        <p:nvSpPr>
+          <p:cNvPr id="10" name="AutoShape 4" descr="http://upload.wikimedia.org/wikipedia/commons/0/0a/PlainSphere.svg"/>
+          <p:cNvSpPr>
+            <a:spLocks noChangeAspect="1" noChangeArrowheads="1"/>
+          </p:cNvSpPr>
+          <p:nvPr/>
+        </p:nvSpPr>
+        <p:spPr bwMode="auto">
+          <a:xfrm>
+            <a:off x="307975" y="7937"/>
+            <a:ext cx="304800" cy="304801"/>
+          </a:xfrm>
+          <a:prstGeom prst="rect">
+            <a:avLst/>
+          </a:prstGeom>
+          <a:noFill/>
+          <a:extLst>
+            <a:ext uri="{909E8E84-426E-40DD-AFC4-6F175D3DCCD1}">
+              <a14:hiddenFill xmlns:a14="http://schemas.microsoft.com/office/drawing/2010/main">
+                <a:solidFill>
+                  <a:srgbClr val="FFFFFF"/>
+                </a:solidFill>
+              </a14:hiddenFill>
+            </a:ext>
+          </a:extLst>
+        </p:spPr>
+        <p:txBody>
+          <a:bodyPr vert="horz" wrap="square" lIns="91440" tIns="45720" rIns="91440" bIns="45720" numCol="1" anchor="t" anchorCtr="0" compatLnSpc="1">
+            <a:prstTxWarp prst="textNoShape">
+              <a:avLst/>
+            </a:prstTxWarp>
+          </a:bodyPr>
+          <a:lstStyle/>
+          <a:p>
+            <a:endParaRPr lang="en-US"/>
+          </a:p>
+        </p:txBody>
+      </p:sp>
+      <p:sp>
+        <p:nvSpPr>
+          <p:cNvPr id="11" name="AutoShape 6" descr="http://upload.wikimedia.org/wikipedia/commons/0/0a/PlainSphere.svg"/>
+          <p:cNvSpPr>
+            <a:spLocks noChangeAspect="1" noChangeArrowheads="1"/>
+          </p:cNvSpPr>
+          <p:nvPr/>
+        </p:nvSpPr>
+        <p:spPr bwMode="auto">
+          <a:xfrm>
+            <a:off x="460375" y="160337"/>
+            <a:ext cx="304800" cy="304801"/>
+          </a:xfrm>
+          <a:prstGeom prst="rect">
+            <a:avLst/>
+          </a:prstGeom>
+          <a:noFill/>
+          <a:extLst>
+            <a:ext uri="{909E8E84-426E-40DD-AFC4-6F175D3DCCD1}">
+              <a14:hiddenFill xmlns:a14="http://schemas.microsoft.com/office/drawing/2010/main">
+                <a:solidFill>
+                  <a:srgbClr val="FFFFFF"/>
+                </a:solidFill>
+              </a14:hiddenFill>
+            </a:ext>
+          </a:extLst>
+        </p:spPr>
+        <p:txBody>
+          <a:bodyPr vert="horz" wrap="square" lIns="91440" tIns="45720" rIns="91440" bIns="45720" numCol="1" anchor="t" anchorCtr="0" compatLnSpc="1">
+            <a:prstTxWarp prst="textNoShape">
+              <a:avLst/>
+            </a:prstTxWarp>
+          </a:bodyPr>
+          <a:lstStyle/>
+          <a:p>
+            <a:endParaRPr lang="en-US"/>
+          </a:p>
+        </p:txBody>
+      </p:sp>
+      <p:sp>
+        <p:nvSpPr>
+          <p:cNvPr id="8" name="Accolade fermante 7"/>
+          <p:cNvSpPr/>
+          <p:nvPr/>
+        </p:nvSpPr>
+        <p:spPr>
+          <a:xfrm>
+            <a:off x="3817324" y="3659676"/>
+            <a:ext cx="360040" cy="864096"/>
+          </a:xfrm>
+          <a:prstGeom prst="rightBrace">
+            <a:avLst/>
+          </a:prstGeom>
+        </p:spPr>
+        <p:style>
+          <a:lnRef idx="2">
+            <a:schemeClr val="dk1"/>
+          </a:lnRef>
+          <a:fillRef idx="0">
+            <a:schemeClr val="dk1"/>
+          </a:fillRef>
+          <a:effectRef idx="1">
+            <a:schemeClr val="dk1"/>
+          </a:effectRef>
+          <a:fontRef idx="minor">
+            <a:schemeClr val="tx1"/>
+          </a:fontRef>
+        </p:style>
+        <p:txBody>
+          <a:bodyPr rtlCol="0" anchor="ctr"/>
+          <a:lstStyle/>
+          <a:p>
+            <a:pPr algn="ctr"/>
+            <a:endParaRPr lang="en-US"/>
+          </a:p>
+        </p:txBody>
+      </p:sp>
+      <p:sp>
+        <p:nvSpPr>
+          <p:cNvPr id="12" name="ZoneTexte 11"/>
+          <p:cNvSpPr txBox="1"/>
+          <p:nvPr/>
+        </p:nvSpPr>
+        <p:spPr>
+          <a:xfrm>
+            <a:off x="4384801" y="3722392"/>
+            <a:ext cx="4473162" cy="738664"/>
+          </a:xfrm>
+          <a:prstGeom prst="rect">
+            <a:avLst/>
+          </a:prstGeom>
+          <a:noFill/>
+        </p:spPr>
+        <p:txBody>
+          <a:bodyPr wrap="square" rtlCol="0">
+            <a:spAutoFit/>
+          </a:bodyPr>
+          <a:lstStyle/>
+          <a:p>
+            <a:r>
+              <a:rPr lang="en-US" b="1" u="none" dirty="0" smtClean="0"/>
+              <a:t>DEFINITION DE LA </a:t>
+            </a:r>
+            <a:r>
+              <a:rPr lang="en-US" b="1" u="none" dirty="0" smtClean="0"/>
+              <a:t>GEOMETRIE</a:t>
+            </a:r>
+          </a:p>
+          <a:p>
+            <a:r>
+              <a:rPr lang="en-US" b="1" u="none" dirty="0" smtClean="0"/>
+              <a:t>ASSOCIATION VOLUMES</a:t>
+            </a:r>
+            <a:r>
+              <a:rPr lang="en-US" sz="2400" b="1" u="none" dirty="0" smtClean="0"/>
+              <a:t> </a:t>
+            </a:r>
+            <a:r>
+              <a:rPr lang="en-US" sz="2400" b="1" u="none" dirty="0"/>
+              <a:t>↔</a:t>
+            </a:r>
+            <a:r>
+              <a:rPr lang="en-US" b="1" u="none" dirty="0"/>
+              <a:t> </a:t>
+            </a:r>
+            <a:r>
+              <a:rPr lang="en-US" b="1" u="none" dirty="0" smtClean="0"/>
+              <a:t>MILIEUX</a:t>
+            </a:r>
+            <a:endParaRPr lang="en-US" b="1" u="none" dirty="0"/>
+          </a:p>
+        </p:txBody>
+      </p:sp>
+      <p:sp>
+        <p:nvSpPr>
+          <p:cNvPr id="15" name="Accolade fermante 14"/>
+          <p:cNvSpPr/>
+          <p:nvPr/>
+        </p:nvSpPr>
+        <p:spPr>
+          <a:xfrm>
+            <a:off x="3773601" y="1620327"/>
+            <a:ext cx="399903" cy="2022316"/>
+          </a:xfrm>
+          <a:prstGeom prst="rightBrace">
+            <a:avLst>
+              <a:gd name="adj1" fmla="val 8333"/>
+              <a:gd name="adj2" fmla="val 48565"/>
+            </a:avLst>
+          </a:prstGeom>
+        </p:spPr>
+        <p:style>
+          <a:lnRef idx="2">
+            <a:schemeClr val="dk1"/>
+          </a:lnRef>
+          <a:fillRef idx="0">
+            <a:schemeClr val="dk1"/>
+          </a:fillRef>
+          <a:effectRef idx="1">
+            <a:schemeClr val="dk1"/>
+          </a:effectRef>
+          <a:fontRef idx="minor">
+            <a:schemeClr val="tx1"/>
+          </a:fontRef>
+        </p:style>
+        <p:txBody>
+          <a:bodyPr rtlCol="0" anchor="ctr"/>
+          <a:lstStyle/>
+          <a:p>
+            <a:pPr algn="ctr"/>
+            <a:endParaRPr lang="en-US"/>
+          </a:p>
+        </p:txBody>
+      </p:sp>
+      <p:sp>
+        <p:nvSpPr>
+          <p:cNvPr id="16" name="ZoneTexte 15"/>
+          <p:cNvSpPr txBox="1"/>
+          <p:nvPr/>
+        </p:nvSpPr>
+        <p:spPr>
+          <a:xfrm>
+            <a:off x="4232683" y="2452246"/>
+            <a:ext cx="3888432" cy="369332"/>
+          </a:xfrm>
+          <a:prstGeom prst="rect">
+            <a:avLst/>
+          </a:prstGeom>
+          <a:noFill/>
+        </p:spPr>
+        <p:txBody>
+          <a:bodyPr wrap="square" rtlCol="0">
+            <a:spAutoFit/>
+          </a:bodyPr>
+          <a:lstStyle/>
+          <a:p>
+            <a:r>
+              <a:rPr lang="en-US" b="1" u="none" dirty="0" smtClean="0"/>
+              <a:t>DEFINITION DES COMPOSITIONS</a:t>
+            </a:r>
+            <a:endParaRPr lang="en-US" b="1" u="none" dirty="0"/>
+          </a:p>
+        </p:txBody>
+      </p:sp>
+      <p:sp>
+        <p:nvSpPr>
+          <p:cNvPr id="19" name="Accolade fermante 18"/>
+          <p:cNvSpPr/>
+          <p:nvPr/>
+        </p:nvSpPr>
+        <p:spPr>
+          <a:xfrm>
+            <a:off x="3827545" y="4522467"/>
+            <a:ext cx="360040" cy="1138782"/>
+          </a:xfrm>
+          <a:prstGeom prst="rightBrace">
+            <a:avLst/>
+          </a:prstGeom>
+        </p:spPr>
+        <p:style>
+          <a:lnRef idx="2">
+            <a:schemeClr val="dk1"/>
+          </a:lnRef>
+          <a:fillRef idx="0">
+            <a:schemeClr val="dk1"/>
+          </a:fillRef>
+          <a:effectRef idx="1">
+            <a:schemeClr val="dk1"/>
+          </a:effectRef>
+          <a:fontRef idx="minor">
+            <a:schemeClr val="tx1"/>
+          </a:fontRef>
+        </p:style>
+        <p:txBody>
+          <a:bodyPr rtlCol="0" anchor="ctr"/>
+          <a:lstStyle/>
+          <a:p>
+            <a:pPr algn="ctr"/>
+            <a:endParaRPr lang="en-US"/>
+          </a:p>
+        </p:txBody>
+      </p:sp>
+      <p:sp>
+        <p:nvSpPr>
+          <p:cNvPr id="21" name="Accolade fermante 20"/>
+          <p:cNvSpPr/>
+          <p:nvPr/>
+        </p:nvSpPr>
+        <p:spPr>
+          <a:xfrm>
+            <a:off x="3885971" y="5979886"/>
+            <a:ext cx="346711" cy="503676"/>
+          </a:xfrm>
+          <a:prstGeom prst="rightBrace">
+            <a:avLst/>
+          </a:prstGeom>
+        </p:spPr>
+        <p:style>
+          <a:lnRef idx="2">
+            <a:schemeClr val="dk1"/>
+          </a:lnRef>
+          <a:fillRef idx="0">
+            <a:schemeClr val="dk1"/>
+          </a:fillRef>
+          <a:effectRef idx="1">
+            <a:schemeClr val="dk1"/>
+          </a:effectRef>
+          <a:fontRef idx="minor">
+            <a:schemeClr val="tx1"/>
+          </a:fontRef>
+        </p:style>
+        <p:txBody>
+          <a:bodyPr rtlCol="0" anchor="ctr"/>
+          <a:lstStyle/>
+          <a:p>
+            <a:pPr algn="ctr"/>
+            <a:endParaRPr lang="en-US"/>
+          </a:p>
+        </p:txBody>
+      </p:sp>
+      <p:sp>
+        <p:nvSpPr>
+          <p:cNvPr id="22" name="ZoneTexte 21"/>
+          <p:cNvSpPr txBox="1"/>
+          <p:nvPr/>
+        </p:nvSpPr>
+        <p:spPr>
+          <a:xfrm>
+            <a:off x="4716016" y="5680080"/>
+            <a:ext cx="3888432" cy="369332"/>
+          </a:xfrm>
+          <a:prstGeom prst="rect">
+            <a:avLst/>
+          </a:prstGeom>
+          <a:noFill/>
+        </p:spPr>
+        <p:txBody>
+          <a:bodyPr wrap="square" rtlCol="0">
+            <a:spAutoFit/>
+          </a:bodyPr>
+          <a:lstStyle/>
+          <a:p>
+            <a:r>
+              <a:rPr lang="en-US" b="1" u="none" dirty="0" smtClean="0"/>
+              <a:t>AUTOPROTECTION</a:t>
+            </a:r>
+            <a:endParaRPr lang="en-US" b="1" u="none" dirty="0"/>
+          </a:p>
+        </p:txBody>
+      </p:sp>
+      <p:sp>
+        <p:nvSpPr>
+          <p:cNvPr id="23" name="Accolade fermante 22"/>
+          <p:cNvSpPr/>
+          <p:nvPr/>
+        </p:nvSpPr>
+        <p:spPr>
+          <a:xfrm>
+            <a:off x="4180464" y="5661249"/>
+            <a:ext cx="360040" cy="318637"/>
+          </a:xfrm>
+          <a:prstGeom prst="rightBrace">
+            <a:avLst/>
+          </a:prstGeom>
+        </p:spPr>
+        <p:style>
+          <a:lnRef idx="2">
+            <a:schemeClr val="dk1"/>
+          </a:lnRef>
+          <a:fillRef idx="0">
+            <a:schemeClr val="dk1"/>
+          </a:fillRef>
+          <a:effectRef idx="1">
+            <a:schemeClr val="dk1"/>
+          </a:effectRef>
+          <a:fontRef idx="minor">
+            <a:schemeClr val="tx1"/>
+          </a:fontRef>
+        </p:style>
+        <p:txBody>
+          <a:bodyPr rtlCol="0" anchor="ctr"/>
+          <a:lstStyle/>
+          <a:p>
+            <a:pPr algn="ctr"/>
+            <a:endParaRPr lang="en-US"/>
+          </a:p>
+        </p:txBody>
+      </p:sp>
+      <p:sp>
+        <p:nvSpPr>
+          <p:cNvPr id="24" name="ZoneTexte 23"/>
+          <p:cNvSpPr txBox="1"/>
+          <p:nvPr/>
+        </p:nvSpPr>
+        <p:spPr>
+          <a:xfrm>
+            <a:off x="4384801" y="4907192"/>
+            <a:ext cx="3888432" cy="369332"/>
+          </a:xfrm>
+          <a:prstGeom prst="rect">
+            <a:avLst/>
+          </a:prstGeom>
+          <a:noFill/>
+        </p:spPr>
+        <p:txBody>
+          <a:bodyPr wrap="square" rtlCol="0">
+            <a:spAutoFit/>
+          </a:bodyPr>
+          <a:lstStyle/>
+          <a:p>
+            <a:r>
+              <a:rPr lang="en-US" b="1" u="none" dirty="0" smtClean="0"/>
+              <a:t>ANALYSE DE LA GEOMETRIE</a:t>
+            </a:r>
+          </a:p>
+        </p:txBody>
+      </p:sp>
+      <p:pic>
+        <p:nvPicPr>
+          <p:cNvPr id="9220" name="Picture 4"/>
+          <p:cNvPicPr>
+            <a:picLocks noChangeAspect="1" noChangeArrowheads="1"/>
+          </p:cNvPicPr>
+          <p:nvPr/>
+        </p:nvPicPr>
+        <p:blipFill rotWithShape="1">
+          <a:blip r:embed="rId3" cstate="print">
+            <a:extLst>
+              <a:ext uri="{28A0092B-C50C-407E-A947-70E740481C1C}">
+                <a14:useLocalDpi xmlns:a14="http://schemas.microsoft.com/office/drawing/2010/main" val="0"/>
+              </a:ext>
+            </a:extLst>
+          </a:blip>
+          <a:srcRect r="64789"/>
+          <a:stretch/>
+        </p:blipFill>
+        <p:spPr bwMode="auto">
+          <a:xfrm>
+            <a:off x="208709" y="1620327"/>
+            <a:ext cx="3347291" cy="4905017"/>
+          </a:xfrm>
+          <a:prstGeom prst="rect">
+            <a:avLst/>
+          </a:prstGeom>
+          <a:noFill/>
+          <a:ln>
+            <a:noFill/>
+          </a:ln>
+          <a:effectLst/>
+          <a:extLst>
+            <a:ext uri="{909E8E84-426E-40DD-AFC4-6F175D3DCCD1}">
+              <a14:hiddenFill xmlns:a14="http://schemas.microsoft.com/office/drawing/2010/main">
+                <a:solidFill>
+                  <a:schemeClr val="accent1"/>
+                </a:solidFill>
+              </a14:hiddenFill>
+            </a:ext>
+            <a:ext uri="{91240B29-F687-4F45-9708-019B960494DF}">
+              <a14:hiddenLine xmlns:a14="http://schemas.microsoft.com/office/drawing/2010/main" w="9525">
+                <a:solidFill>
+                  <a:schemeClr val="tx1"/>
+                </a:solidFill>
+                <a:miter lim="800000"/>
+                <a:headEnd/>
+                <a:tailEnd/>
+              </a14:hiddenLine>
+            </a:ext>
+            <a:ext uri="{AF507438-7753-43E0-B8FC-AC1667EBCBE1}">
+              <a14:hiddenEffects xmlns:a14="http://schemas.microsoft.com/office/drawing/2010/main">
+                <a:effectLst>
+                  <a:outerShdw dist="35921" dir="2700000" algn="ctr" rotWithShape="0">
+                    <a:schemeClr val="bg2"/>
+                  </a:outerShdw>
+                </a:effectLst>
+              </a14:hiddenEffects>
+            </a:ext>
+          </a:extLst>
+        </p:spPr>
+      </p:pic>
+      <p:sp>
+        <p:nvSpPr>
+          <p:cNvPr id="25" name="ZoneTexte 24"/>
+          <p:cNvSpPr txBox="1"/>
+          <p:nvPr/>
+        </p:nvSpPr>
+        <p:spPr>
+          <a:xfrm>
+            <a:off x="4385589" y="6049412"/>
+            <a:ext cx="3888432" cy="369332"/>
+          </a:xfrm>
+          <a:prstGeom prst="rect">
+            <a:avLst/>
+          </a:prstGeom>
+          <a:noFill/>
+        </p:spPr>
+        <p:txBody>
+          <a:bodyPr wrap="square" rtlCol="0">
+            <a:spAutoFit/>
+          </a:bodyPr>
+          <a:lstStyle/>
+          <a:p>
+            <a:r>
+              <a:rPr lang="en-US" b="1" u="none" dirty="0" smtClean="0"/>
+              <a:t>PARAMETRES DE SIMULATION</a:t>
+            </a:r>
+            <a:endParaRPr lang="en-US" b="1" u="none" dirty="0"/>
+          </a:p>
+        </p:txBody>
+      </p:sp>
+    </p:spTree>
+    <p:extLst>
+      <p:ext uri="{BB962C8B-B14F-4D97-AF65-F5344CB8AC3E}">
+        <p14:creationId xmlns:p14="http://schemas.microsoft.com/office/powerpoint/2010/main" val="1309202236"/>
+      </p:ext>
+    </p:extLst>
+  </p:cSld>
+  <p:clrMapOvr>
+    <a:masterClrMapping/>
+  </p:clrMapOvr>
+  <p:timing>
+    <p:tnLst>
+      <p:par>
+        <p:cTn id="1" dur="indefinite" restart="never" nodeType="tmRoot"/>
+      </p:par>
+    </p:tnLst>
+  </p:timing>
+</p:sld>
+</file>
+
 <file path=ppt/slides/slide3.xml><?xml version="1.0" encoding="utf-8"?>
 <p:sld xmlns:a="http://schemas.openxmlformats.org/drawingml/2006/main" xmlns:r="http://schemas.openxmlformats.org/officeDocument/2006/relationships" xmlns:p="http://schemas.openxmlformats.org/presentationml/2006/main">
   <p:cSld>
@@ -7479,11 +8299,7 @@
           <a:p>
             <a:r>
               <a:rPr lang="fr-FR" dirty="0" smtClean="0"/>
-              <a:t>Codes de </a:t>
-            </a:r>
-            <a:r>
-              <a:rPr lang="fr-FR" dirty="0" smtClean="0"/>
-              <a:t>Neutronique</a:t>
+              <a:t>Codes de Neutronique</a:t>
             </a:r>
             <a:endParaRPr lang="fr-FR" dirty="0"/>
           </a:p>
@@ -7646,7 +8462,7 @@
             <a:graphicData uri="http://schemas.openxmlformats.org/presentationml/2006/ole">
               <mc:AlternateContent xmlns:mc="http://schemas.openxmlformats.org/markup-compatibility/2006">
                 <mc:Choice xmlns:v="urn:schemas-microsoft-com:vml" Requires="v">
-                  <p:oleObj spid="_x0000_s1048" name="Équation" r:id="rId3" imgW="3924000" imgH="888840" progId="Equation.3">
+                  <p:oleObj spid="_x0000_s1053" name="Équation" r:id="rId3" imgW="3924000" imgH="888840" progId="Equation.3">
                     <p:embed/>
                   </p:oleObj>
                 </mc:Choice>
@@ -8795,7 +9611,7 @@
           <a:graphicData uri="http://schemas.openxmlformats.org/presentationml/2006/ole">
             <mc:AlternateContent xmlns:mc="http://schemas.openxmlformats.org/markup-compatibility/2006">
               <mc:Choice xmlns:v="urn:schemas-microsoft-com:vml" Requires="v">
-                <p:oleObj spid="_x0000_s2143" name="Équation" r:id="rId3" imgW="4051080" imgH="888840" progId="Equation.3">
+                <p:oleObj spid="_x0000_s2163" name="Équation" r:id="rId3" imgW="4051080" imgH="888840" progId="Equation.3">
                   <p:embed/>
                 </p:oleObj>
               </mc:Choice>
@@ -8896,7 +9712,7 @@
           <a:graphicData uri="http://schemas.openxmlformats.org/presentationml/2006/ole">
             <mc:AlternateContent xmlns:mc="http://schemas.openxmlformats.org/markup-compatibility/2006">
               <mc:Choice xmlns:v="urn:schemas-microsoft-com:vml" Requires="v">
-                <p:oleObj spid="_x0000_s2144" name="Équation" r:id="rId5" imgW="3073320" imgH="469800" progId="Equation.3">
+                <p:oleObj spid="_x0000_s2164" name="Équation" r:id="rId5" imgW="3073320" imgH="469800" progId="Equation.3">
                   <p:embed/>
                 </p:oleObj>
               </mc:Choice>
@@ -8979,7 +9795,7 @@
           <a:graphicData uri="http://schemas.openxmlformats.org/presentationml/2006/ole">
             <mc:AlternateContent xmlns:mc="http://schemas.openxmlformats.org/markup-compatibility/2006">
               <mc:Choice xmlns:v="urn:schemas-microsoft-com:vml" Requires="v">
-                <p:oleObj spid="_x0000_s2145" name="Équation" r:id="rId7" imgW="4000320" imgH="761760" progId="Equation.3">
+                <p:oleObj spid="_x0000_s2165" name="Équation" r:id="rId7" imgW="4000320" imgH="761760" progId="Equation.3">
                   <p:embed/>
                 </p:oleObj>
               </mc:Choice>
@@ -9045,7 +9861,7 @@
           <a:graphicData uri="http://schemas.openxmlformats.org/presentationml/2006/ole">
             <mc:AlternateContent xmlns:mc="http://schemas.openxmlformats.org/markup-compatibility/2006">
               <mc:Choice xmlns:v="urn:schemas-microsoft-com:vml" Requires="v">
-                <p:oleObj spid="_x0000_s2146" name="Équation" r:id="rId9" imgW="3809880" imgH="507960" progId="Equation.3">
+                <p:oleObj spid="_x0000_s2166" name="Équation" r:id="rId9" imgW="3809880" imgH="507960" progId="Equation.3">
                   <p:embed/>
                 </p:oleObj>
               </mc:Choice>
@@ -9386,7 +10202,7 @@
           <a:graphicData uri="http://schemas.openxmlformats.org/presentationml/2006/ole">
             <mc:AlternateContent xmlns:mc="http://schemas.openxmlformats.org/markup-compatibility/2006">
               <mc:Choice xmlns:v="urn:schemas-microsoft-com:vml" Requires="v">
-                <p:oleObj spid="_x0000_s5173" name="Équation" r:id="rId3" imgW="3466800" imgH="266400" progId="Equation.3">
+                <p:oleObj spid="_x0000_s5188" name="Équation" r:id="rId3" imgW="3466800" imgH="266400" progId="Equation.3">
                   <p:embed/>
                 </p:oleObj>
               </mc:Choice>
@@ -9469,7 +10285,7 @@
           <a:graphicData uri="http://schemas.openxmlformats.org/presentationml/2006/ole">
             <mc:AlternateContent xmlns:mc="http://schemas.openxmlformats.org/markup-compatibility/2006">
               <mc:Choice xmlns:v="urn:schemas-microsoft-com:vml" Requires="v">
-                <p:oleObj spid="_x0000_s5174" name="Équation" r:id="rId5" imgW="3213000" imgH="761760" progId="Equation.3">
+                <p:oleObj spid="_x0000_s5189" name="Équation" r:id="rId5" imgW="3213000" imgH="761760" progId="Equation.3">
                   <p:embed/>
                 </p:oleObj>
               </mc:Choice>
@@ -9547,7 +10363,7 @@
           <a:graphicData uri="http://schemas.openxmlformats.org/presentationml/2006/ole">
             <mc:AlternateContent xmlns:mc="http://schemas.openxmlformats.org/markup-compatibility/2006">
               <mc:Choice xmlns:v="urn:schemas-microsoft-com:vml" Requires="v">
-                <p:oleObj spid="_x0000_s5175" name="Équation" r:id="rId7" imgW="2806560" imgH="444240" progId="Equation.3">
+                <p:oleObj spid="_x0000_s5190" name="Équation" r:id="rId7" imgW="2806560" imgH="444240" progId="Equation.3">
                   <p:embed/>
                 </p:oleObj>
               </mc:Choice>

--- a/Cours1.pptx
+++ b/Cours1.pptx
@@ -4305,7 +4305,7 @@
           <a:graphicData uri="http://schemas.openxmlformats.org/presentationml/2006/ole">
             <mc:AlternateContent xmlns:mc="http://schemas.openxmlformats.org/markup-compatibility/2006">
               <mc:Choice xmlns:v="urn:schemas-microsoft-com:vml" Requires="v">
-                <p:oleObj spid="_x0000_s8254" name="Équation" r:id="rId3" imgW="3682800" imgH="990360" progId="Equation.3">
+                <p:oleObj spid="_x0000_s8258" name="Équation" r:id="rId3" imgW="3682800" imgH="990360" progId="Equation.3">
                   <p:embed/>
                 </p:oleObj>
               </mc:Choice>
@@ -4362,7 +4362,7 @@
           <a:graphicData uri="http://schemas.openxmlformats.org/presentationml/2006/ole">
             <mc:AlternateContent xmlns:mc="http://schemas.openxmlformats.org/markup-compatibility/2006">
               <mc:Choice xmlns:v="urn:schemas-microsoft-com:vml" Requires="v">
-                <p:oleObj spid="_x0000_s8255" name="Équation" r:id="rId5" imgW="647640" imgH="241200" progId="Equation.3">
+                <p:oleObj spid="_x0000_s8259" name="Équation" r:id="rId5" imgW="647640" imgH="241200" progId="Equation.3">
                   <p:embed/>
                 </p:oleObj>
               </mc:Choice>
@@ -4419,7 +4419,7 @@
           <a:graphicData uri="http://schemas.openxmlformats.org/presentationml/2006/ole">
             <mc:AlternateContent xmlns:mc="http://schemas.openxmlformats.org/markup-compatibility/2006">
               <mc:Choice xmlns:v="urn:schemas-microsoft-com:vml" Requires="v">
-                <p:oleObj spid="_x0000_s8256" name="Équation" r:id="rId7" imgW="1549080" imgH="380880" progId="Equation.3">
+                <p:oleObj spid="_x0000_s8260" name="Équation" r:id="rId7" imgW="1549080" imgH="380880" progId="Equation.3">
                   <p:embed/>
                 </p:oleObj>
               </mc:Choice>
@@ -4476,7 +4476,7 @@
           <a:graphicData uri="http://schemas.openxmlformats.org/presentationml/2006/ole">
             <mc:AlternateContent xmlns:mc="http://schemas.openxmlformats.org/markup-compatibility/2006">
               <mc:Choice xmlns:v="urn:schemas-microsoft-com:vml" Requires="v">
-                <p:oleObj spid="_x0000_s8257" name="Équation" r:id="rId9" imgW="1726920" imgH="380880" progId="Equation.3">
+                <p:oleObj spid="_x0000_s8261" name="Équation" r:id="rId9" imgW="1726920" imgH="380880" progId="Equation.3">
                   <p:embed/>
                 </p:oleObj>
               </mc:Choice>
@@ -6746,15 +6746,7 @@
           <a:p>
             <a:r>
               <a:rPr lang="fr-FR" dirty="0" smtClean="0"/>
-              <a:t>En Pratique - </a:t>
-            </a:r>
-            <a:r>
-              <a:rPr lang="fr-FR" dirty="0" smtClean="0"/>
-              <a:t>DRAGON</a:t>
-            </a:r>
-            <a:r>
-              <a:rPr lang="fr-FR" dirty="0" smtClean="0"/>
-              <a:t/>
+              <a:t>En Pratique - DRAGON</a:t>
             </a:r>
             <a:br>
               <a:rPr lang="fr-FR" dirty="0" smtClean="0"/>
@@ -7048,11 +7040,7 @@
           <a:p>
             <a:r>
               <a:rPr lang="en-US" b="1" u="none" dirty="0" smtClean="0"/>
-              <a:t>DEFINITION DE LA </a:t>
-            </a:r>
-            <a:r>
-              <a:rPr lang="en-US" b="1" u="none" dirty="0" smtClean="0"/>
-              <a:t>GEOMETRIE</a:t>
+              <a:t>DEFINITION DE LA GEOMETRIE</a:t>
             </a:r>
           </a:p>
           <a:p>
@@ -8462,7 +8450,7 @@
             <a:graphicData uri="http://schemas.openxmlformats.org/presentationml/2006/ole">
               <mc:AlternateContent xmlns:mc="http://schemas.openxmlformats.org/markup-compatibility/2006">
                 <mc:Choice xmlns:v="urn:schemas-microsoft-com:vml" Requires="v">
-                  <p:oleObj spid="_x0000_s1053" name="Équation" r:id="rId3" imgW="3924000" imgH="888840" progId="Equation.3">
+                  <p:oleObj spid="_x0000_s1054" name="Équation" r:id="rId3" imgW="3924000" imgH="888840" progId="Equation.3">
                     <p:embed/>
                   </p:oleObj>
                 </mc:Choice>
@@ -9611,7 +9599,7 @@
           <a:graphicData uri="http://schemas.openxmlformats.org/presentationml/2006/ole">
             <mc:AlternateContent xmlns:mc="http://schemas.openxmlformats.org/markup-compatibility/2006">
               <mc:Choice xmlns:v="urn:schemas-microsoft-com:vml" Requires="v">
-                <p:oleObj spid="_x0000_s2163" name="Équation" r:id="rId3" imgW="4051080" imgH="888840" progId="Equation.3">
+                <p:oleObj spid="_x0000_s2167" name="Équation" r:id="rId3" imgW="4051080" imgH="888840" progId="Equation.3">
                   <p:embed/>
                 </p:oleObj>
               </mc:Choice>
@@ -9712,7 +9700,7 @@
           <a:graphicData uri="http://schemas.openxmlformats.org/presentationml/2006/ole">
             <mc:AlternateContent xmlns:mc="http://schemas.openxmlformats.org/markup-compatibility/2006">
               <mc:Choice xmlns:v="urn:schemas-microsoft-com:vml" Requires="v">
-                <p:oleObj spid="_x0000_s2164" name="Équation" r:id="rId5" imgW="3073320" imgH="469800" progId="Equation.3">
+                <p:oleObj spid="_x0000_s2168" name="Équation" r:id="rId5" imgW="3073320" imgH="469800" progId="Equation.3">
                   <p:embed/>
                 </p:oleObj>
               </mc:Choice>
@@ -9795,7 +9783,7 @@
           <a:graphicData uri="http://schemas.openxmlformats.org/presentationml/2006/ole">
             <mc:AlternateContent xmlns:mc="http://schemas.openxmlformats.org/markup-compatibility/2006">
               <mc:Choice xmlns:v="urn:schemas-microsoft-com:vml" Requires="v">
-                <p:oleObj spid="_x0000_s2165" name="Équation" r:id="rId7" imgW="4000320" imgH="761760" progId="Equation.3">
+                <p:oleObj spid="_x0000_s2169" name="Équation" r:id="rId7" imgW="4000320" imgH="761760" progId="Equation.3">
                   <p:embed/>
                 </p:oleObj>
               </mc:Choice>
@@ -9861,7 +9849,7 @@
           <a:graphicData uri="http://schemas.openxmlformats.org/presentationml/2006/ole">
             <mc:AlternateContent xmlns:mc="http://schemas.openxmlformats.org/markup-compatibility/2006">
               <mc:Choice xmlns:v="urn:schemas-microsoft-com:vml" Requires="v">
-                <p:oleObj spid="_x0000_s2166" name="Équation" r:id="rId9" imgW="3809880" imgH="507960" progId="Equation.3">
+                <p:oleObj spid="_x0000_s2170" name="Équation" r:id="rId9" imgW="3809880" imgH="507960" progId="Equation.3">
                   <p:embed/>
                 </p:oleObj>
               </mc:Choice>
@@ -10202,7 +10190,7 @@
           <a:graphicData uri="http://schemas.openxmlformats.org/presentationml/2006/ole">
             <mc:AlternateContent xmlns:mc="http://schemas.openxmlformats.org/markup-compatibility/2006">
               <mc:Choice xmlns:v="urn:schemas-microsoft-com:vml" Requires="v">
-                <p:oleObj spid="_x0000_s5188" name="Équation" r:id="rId3" imgW="3466800" imgH="266400" progId="Equation.3">
+                <p:oleObj spid="_x0000_s5191" name="Équation" r:id="rId3" imgW="3466800" imgH="266400" progId="Equation.3">
                   <p:embed/>
                 </p:oleObj>
               </mc:Choice>
@@ -10285,7 +10273,7 @@
           <a:graphicData uri="http://schemas.openxmlformats.org/presentationml/2006/ole">
             <mc:AlternateContent xmlns:mc="http://schemas.openxmlformats.org/markup-compatibility/2006">
               <mc:Choice xmlns:v="urn:schemas-microsoft-com:vml" Requires="v">
-                <p:oleObj spid="_x0000_s5189" name="Équation" r:id="rId5" imgW="3213000" imgH="761760" progId="Equation.3">
+                <p:oleObj spid="_x0000_s5192" name="Équation" r:id="rId5" imgW="3213000" imgH="761760" progId="Equation.3">
                   <p:embed/>
                 </p:oleObj>
               </mc:Choice>
@@ -10363,7 +10351,7 @@
           <a:graphicData uri="http://schemas.openxmlformats.org/presentationml/2006/ole">
             <mc:AlternateContent xmlns:mc="http://schemas.openxmlformats.org/markup-compatibility/2006">
               <mc:Choice xmlns:v="urn:schemas-microsoft-com:vml" Requires="v">
-                <p:oleObj spid="_x0000_s5190" name="Équation" r:id="rId7" imgW="2806560" imgH="444240" progId="Equation.3">
+                <p:oleObj spid="_x0000_s5193" name="Équation" r:id="rId7" imgW="2806560" imgH="444240" progId="Equation.3">
                   <p:embed/>
                 </p:oleObj>
               </mc:Choice>

--- a/Cours1.pptx
+++ b/Cours1.pptx
@@ -260,7 +260,7 @@
               <a:pPr>
                 <a:defRPr/>
               </a:pPr>
-              <a:t>24/10/2013</a:t>
+              <a:t>03/11/2013</a:t>
             </a:fld>
             <a:endParaRPr lang="fr-FR"/>
           </a:p>
@@ -459,7 +459,7 @@
               <a:pPr>
                 <a:defRPr/>
               </a:pPr>
-              <a:t>24/10/2013</a:t>
+              <a:t>03/11/2013</a:t>
             </a:fld>
             <a:endParaRPr lang="fr-FR"/>
           </a:p>
@@ -1520,7 +1520,7 @@
               <a:pPr>
                 <a:defRPr/>
               </a:pPr>
-              <a:t>24/10/2013</a:t>
+              <a:t>03/11/2013</a:t>
             </a:fld>
             <a:endParaRPr lang="fr-FR"/>
           </a:p>
@@ -4305,7 +4305,7 @@
           <a:graphicData uri="http://schemas.openxmlformats.org/presentationml/2006/ole">
             <mc:AlternateContent xmlns:mc="http://schemas.openxmlformats.org/markup-compatibility/2006">
               <mc:Choice xmlns:v="urn:schemas-microsoft-com:vml" Requires="v">
-                <p:oleObj spid="_x0000_s8258" name="Équation" r:id="rId3" imgW="3682800" imgH="990360" progId="Equation.3">
+                <p:oleObj spid="_x0000_s8262" name="Équation" r:id="rId3" imgW="3682800" imgH="990360" progId="Equation.3">
                   <p:embed/>
                 </p:oleObj>
               </mc:Choice>
@@ -4362,7 +4362,7 @@
           <a:graphicData uri="http://schemas.openxmlformats.org/presentationml/2006/ole">
             <mc:AlternateContent xmlns:mc="http://schemas.openxmlformats.org/markup-compatibility/2006">
               <mc:Choice xmlns:v="urn:schemas-microsoft-com:vml" Requires="v">
-                <p:oleObj spid="_x0000_s8259" name="Équation" r:id="rId5" imgW="647640" imgH="241200" progId="Equation.3">
+                <p:oleObj spid="_x0000_s8263" name="Équation" r:id="rId5" imgW="647640" imgH="241200" progId="Equation.3">
                   <p:embed/>
                 </p:oleObj>
               </mc:Choice>
@@ -4419,7 +4419,7 @@
           <a:graphicData uri="http://schemas.openxmlformats.org/presentationml/2006/ole">
             <mc:AlternateContent xmlns:mc="http://schemas.openxmlformats.org/markup-compatibility/2006">
               <mc:Choice xmlns:v="urn:schemas-microsoft-com:vml" Requires="v">
-                <p:oleObj spid="_x0000_s8260" name="Équation" r:id="rId7" imgW="1549080" imgH="380880" progId="Equation.3">
+                <p:oleObj spid="_x0000_s8264" name="Équation" r:id="rId7" imgW="1549080" imgH="380880" progId="Equation.3">
                   <p:embed/>
                 </p:oleObj>
               </mc:Choice>
@@ -4476,7 +4476,7 @@
           <a:graphicData uri="http://schemas.openxmlformats.org/presentationml/2006/ole">
             <mc:AlternateContent xmlns:mc="http://schemas.openxmlformats.org/markup-compatibility/2006">
               <mc:Choice xmlns:v="urn:schemas-microsoft-com:vml" Requires="v">
-                <p:oleObj spid="_x0000_s8261" name="Équation" r:id="rId9" imgW="1726920" imgH="380880" progId="Equation.3">
+                <p:oleObj spid="_x0000_s8265" name="Équation" r:id="rId9" imgW="1726920" imgH="380880" progId="Equation.3">
                   <p:embed/>
                 </p:oleObj>
               </mc:Choice>
@@ -8450,7 +8450,7 @@
             <a:graphicData uri="http://schemas.openxmlformats.org/presentationml/2006/ole">
               <mc:AlternateContent xmlns:mc="http://schemas.openxmlformats.org/markup-compatibility/2006">
                 <mc:Choice xmlns:v="urn:schemas-microsoft-com:vml" Requires="v">
-                  <p:oleObj spid="_x0000_s1054" name="Équation" r:id="rId3" imgW="3924000" imgH="888840" progId="Equation.3">
+                  <p:oleObj spid="_x0000_s1055" name="Équation" r:id="rId3" imgW="3924000" imgH="888840" progId="Equation.3">
                     <p:embed/>
                   </p:oleObj>
                 </mc:Choice>
@@ -9599,7 +9599,7 @@
           <a:graphicData uri="http://schemas.openxmlformats.org/presentationml/2006/ole">
             <mc:AlternateContent xmlns:mc="http://schemas.openxmlformats.org/markup-compatibility/2006">
               <mc:Choice xmlns:v="urn:schemas-microsoft-com:vml" Requires="v">
-                <p:oleObj spid="_x0000_s2167" name="Équation" r:id="rId3" imgW="4051080" imgH="888840" progId="Equation.3">
+                <p:oleObj spid="_x0000_s2171" name="Équation" r:id="rId3" imgW="4051080" imgH="888840" progId="Equation.3">
                   <p:embed/>
                 </p:oleObj>
               </mc:Choice>
@@ -9700,7 +9700,7 @@
           <a:graphicData uri="http://schemas.openxmlformats.org/presentationml/2006/ole">
             <mc:AlternateContent xmlns:mc="http://schemas.openxmlformats.org/markup-compatibility/2006">
               <mc:Choice xmlns:v="urn:schemas-microsoft-com:vml" Requires="v">
-                <p:oleObj spid="_x0000_s2168" name="Équation" r:id="rId5" imgW="3073320" imgH="469800" progId="Equation.3">
+                <p:oleObj spid="_x0000_s2172" name="Équation" r:id="rId5" imgW="3073320" imgH="469800" progId="Equation.3">
                   <p:embed/>
                 </p:oleObj>
               </mc:Choice>
@@ -9783,7 +9783,7 @@
           <a:graphicData uri="http://schemas.openxmlformats.org/presentationml/2006/ole">
             <mc:AlternateContent xmlns:mc="http://schemas.openxmlformats.org/markup-compatibility/2006">
               <mc:Choice xmlns:v="urn:schemas-microsoft-com:vml" Requires="v">
-                <p:oleObj spid="_x0000_s2169" name="Équation" r:id="rId7" imgW="4000320" imgH="761760" progId="Equation.3">
+                <p:oleObj spid="_x0000_s2173" name="Équation" r:id="rId7" imgW="4000320" imgH="761760" progId="Equation.3">
                   <p:embed/>
                 </p:oleObj>
               </mc:Choice>
@@ -9849,7 +9849,7 @@
           <a:graphicData uri="http://schemas.openxmlformats.org/presentationml/2006/ole">
             <mc:AlternateContent xmlns:mc="http://schemas.openxmlformats.org/markup-compatibility/2006">
               <mc:Choice xmlns:v="urn:schemas-microsoft-com:vml" Requires="v">
-                <p:oleObj spid="_x0000_s2170" name="Équation" r:id="rId9" imgW="3809880" imgH="507960" progId="Equation.3">
+                <p:oleObj spid="_x0000_s2174" name="Équation" r:id="rId9" imgW="3809880" imgH="507960" progId="Equation.3">
                   <p:embed/>
                 </p:oleObj>
               </mc:Choice>
@@ -10190,7 +10190,7 @@
           <a:graphicData uri="http://schemas.openxmlformats.org/presentationml/2006/ole">
             <mc:AlternateContent xmlns:mc="http://schemas.openxmlformats.org/markup-compatibility/2006">
               <mc:Choice xmlns:v="urn:schemas-microsoft-com:vml" Requires="v">
-                <p:oleObj spid="_x0000_s5191" name="Équation" r:id="rId3" imgW="3466800" imgH="266400" progId="Equation.3">
+                <p:oleObj spid="_x0000_s5194" name="Équation" r:id="rId3" imgW="3466800" imgH="266400" progId="Equation.3">
                   <p:embed/>
                 </p:oleObj>
               </mc:Choice>
@@ -10273,7 +10273,7 @@
           <a:graphicData uri="http://schemas.openxmlformats.org/presentationml/2006/ole">
             <mc:AlternateContent xmlns:mc="http://schemas.openxmlformats.org/markup-compatibility/2006">
               <mc:Choice xmlns:v="urn:schemas-microsoft-com:vml" Requires="v">
-                <p:oleObj spid="_x0000_s5192" name="Équation" r:id="rId5" imgW="3213000" imgH="761760" progId="Equation.3">
+                <p:oleObj spid="_x0000_s5195" name="Équation" r:id="rId5" imgW="3213000" imgH="761760" progId="Equation.3">
                   <p:embed/>
                 </p:oleObj>
               </mc:Choice>
@@ -10351,7 +10351,7 @@
           <a:graphicData uri="http://schemas.openxmlformats.org/presentationml/2006/ole">
             <mc:AlternateContent xmlns:mc="http://schemas.openxmlformats.org/markup-compatibility/2006">
               <mc:Choice xmlns:v="urn:schemas-microsoft-com:vml" Requires="v">
-                <p:oleObj spid="_x0000_s5193" name="Équation" r:id="rId7" imgW="2806560" imgH="444240" progId="Equation.3">
+                <p:oleObj spid="_x0000_s5196" name="Équation" r:id="rId7" imgW="2806560" imgH="444240" progId="Equation.3">
                   <p:embed/>
                 </p:oleObj>
               </mc:Choice>

--- a/Cours1.pptx
+++ b/Cours1.pptx
@@ -260,7 +260,7 @@
               <a:pPr>
                 <a:defRPr/>
               </a:pPr>
-              <a:t>03/11/2013</a:t>
+              <a:t>10/10/2014</a:t>
             </a:fld>
             <a:endParaRPr lang="fr-FR"/>
           </a:p>
@@ -459,7 +459,7 @@
               <a:pPr>
                 <a:defRPr/>
               </a:pPr>
-              <a:t>03/11/2013</a:t>
+              <a:t>10/10/2014</a:t>
             </a:fld>
             <a:endParaRPr lang="fr-FR"/>
           </a:p>
@@ -1520,7 +1520,7 @@
               <a:pPr>
                 <a:defRPr/>
               </a:pPr>
-              <a:t>03/11/2013</a:t>
+              <a:t>10/10/2014</a:t>
             </a:fld>
             <a:endParaRPr lang="fr-FR"/>
           </a:p>
@@ -4305,7 +4305,7 @@
           <a:graphicData uri="http://schemas.openxmlformats.org/presentationml/2006/ole">
             <mc:AlternateContent xmlns:mc="http://schemas.openxmlformats.org/markup-compatibility/2006">
               <mc:Choice xmlns:v="urn:schemas-microsoft-com:vml" Requires="v">
-                <p:oleObj spid="_x0000_s8262" name="Équation" r:id="rId3" imgW="3682800" imgH="990360" progId="Equation.3">
+                <p:oleObj spid="_x0000_s8266" name="Équation" r:id="rId3" imgW="3682800" imgH="990360" progId="Equation.3">
                   <p:embed/>
                 </p:oleObj>
               </mc:Choice>
@@ -4362,7 +4362,7 @@
           <a:graphicData uri="http://schemas.openxmlformats.org/presentationml/2006/ole">
             <mc:AlternateContent xmlns:mc="http://schemas.openxmlformats.org/markup-compatibility/2006">
               <mc:Choice xmlns:v="urn:schemas-microsoft-com:vml" Requires="v">
-                <p:oleObj spid="_x0000_s8263" name="Équation" r:id="rId5" imgW="647640" imgH="241200" progId="Equation.3">
+                <p:oleObj spid="_x0000_s8267" name="Équation" r:id="rId5" imgW="647640" imgH="241200" progId="Equation.3">
                   <p:embed/>
                 </p:oleObj>
               </mc:Choice>
@@ -4419,7 +4419,7 @@
           <a:graphicData uri="http://schemas.openxmlformats.org/presentationml/2006/ole">
             <mc:AlternateContent xmlns:mc="http://schemas.openxmlformats.org/markup-compatibility/2006">
               <mc:Choice xmlns:v="urn:schemas-microsoft-com:vml" Requires="v">
-                <p:oleObj spid="_x0000_s8264" name="Équation" r:id="rId7" imgW="1549080" imgH="380880" progId="Equation.3">
+                <p:oleObj spid="_x0000_s8268" name="Équation" r:id="rId7" imgW="1549080" imgH="380880" progId="Equation.3">
                   <p:embed/>
                 </p:oleObj>
               </mc:Choice>
@@ -4476,7 +4476,7 @@
           <a:graphicData uri="http://schemas.openxmlformats.org/presentationml/2006/ole">
             <mc:AlternateContent xmlns:mc="http://schemas.openxmlformats.org/markup-compatibility/2006">
               <mc:Choice xmlns:v="urn:schemas-microsoft-com:vml" Requires="v">
-                <p:oleObj spid="_x0000_s8265" name="Équation" r:id="rId9" imgW="1726920" imgH="380880" progId="Equation.3">
+                <p:oleObj spid="_x0000_s8269" name="Équation" r:id="rId9" imgW="1726920" imgH="380880" progId="Equation.3">
                   <p:embed/>
                 </p:oleObj>
               </mc:Choice>
@@ -8450,7 +8450,7 @@
             <a:graphicData uri="http://schemas.openxmlformats.org/presentationml/2006/ole">
               <mc:AlternateContent xmlns:mc="http://schemas.openxmlformats.org/markup-compatibility/2006">
                 <mc:Choice xmlns:v="urn:schemas-microsoft-com:vml" Requires="v">
-                  <p:oleObj spid="_x0000_s1055" name="Équation" r:id="rId3" imgW="3924000" imgH="888840" progId="Equation.3">
+                  <p:oleObj spid="_x0000_s1056" name="Équation" r:id="rId3" imgW="3924000" imgH="888840" progId="Equation.3">
                     <p:embed/>
                   </p:oleObj>
                 </mc:Choice>
@@ -9042,8 +9042,21 @@
             <a:pPr lvl="1"/>
             <a:r>
               <a:rPr lang="fr-FR" dirty="0" smtClean="0"/>
+              <a:t>CASMO : </a:t>
+            </a:r>
+            <a:r>
+              <a:rPr lang="fr-FR" dirty="0" err="1" smtClean="0"/>
+              <a:t>Studsvik</a:t>
+            </a:r>
+            <a:endParaRPr lang="fr-FR" dirty="0" smtClean="0"/>
+          </a:p>
+          <a:p>
+            <a:pPr lvl="1"/>
+            <a:r>
+              <a:rPr lang="fr-FR" dirty="0" smtClean="0"/>
               <a:t>…</a:t>
             </a:r>
+            <a:endParaRPr lang="fr-FR" dirty="0" smtClean="0"/>
           </a:p>
           <a:p>
             <a:r>
@@ -9599,7 +9612,7 @@
           <a:graphicData uri="http://schemas.openxmlformats.org/presentationml/2006/ole">
             <mc:AlternateContent xmlns:mc="http://schemas.openxmlformats.org/markup-compatibility/2006">
               <mc:Choice xmlns:v="urn:schemas-microsoft-com:vml" Requires="v">
-                <p:oleObj spid="_x0000_s2171" name="Équation" r:id="rId3" imgW="4051080" imgH="888840" progId="Equation.3">
+                <p:oleObj spid="_x0000_s2175" name="Équation" r:id="rId3" imgW="4051080" imgH="888840" progId="Equation.3">
                   <p:embed/>
                 </p:oleObj>
               </mc:Choice>
@@ -9700,7 +9713,7 @@
           <a:graphicData uri="http://schemas.openxmlformats.org/presentationml/2006/ole">
             <mc:AlternateContent xmlns:mc="http://schemas.openxmlformats.org/markup-compatibility/2006">
               <mc:Choice xmlns:v="urn:schemas-microsoft-com:vml" Requires="v">
-                <p:oleObj spid="_x0000_s2172" name="Équation" r:id="rId5" imgW="3073320" imgH="469800" progId="Equation.3">
+                <p:oleObj spid="_x0000_s2176" name="Équation" r:id="rId5" imgW="3073320" imgH="469800" progId="Equation.3">
                   <p:embed/>
                 </p:oleObj>
               </mc:Choice>
@@ -9783,7 +9796,7 @@
           <a:graphicData uri="http://schemas.openxmlformats.org/presentationml/2006/ole">
             <mc:AlternateContent xmlns:mc="http://schemas.openxmlformats.org/markup-compatibility/2006">
               <mc:Choice xmlns:v="urn:schemas-microsoft-com:vml" Requires="v">
-                <p:oleObj spid="_x0000_s2173" name="Équation" r:id="rId7" imgW="4000320" imgH="761760" progId="Equation.3">
+                <p:oleObj spid="_x0000_s2177" name="Équation" r:id="rId7" imgW="4000320" imgH="761760" progId="Equation.3">
                   <p:embed/>
                 </p:oleObj>
               </mc:Choice>
@@ -9849,7 +9862,7 @@
           <a:graphicData uri="http://schemas.openxmlformats.org/presentationml/2006/ole">
             <mc:AlternateContent xmlns:mc="http://schemas.openxmlformats.org/markup-compatibility/2006">
               <mc:Choice xmlns:v="urn:schemas-microsoft-com:vml" Requires="v">
-                <p:oleObj spid="_x0000_s2174" name="Équation" r:id="rId9" imgW="3809880" imgH="507960" progId="Equation.3">
+                <p:oleObj spid="_x0000_s2178" name="Équation" r:id="rId9" imgW="3809880" imgH="507960" progId="Equation.3">
                   <p:embed/>
                 </p:oleObj>
               </mc:Choice>
@@ -10190,7 +10203,7 @@
           <a:graphicData uri="http://schemas.openxmlformats.org/presentationml/2006/ole">
             <mc:AlternateContent xmlns:mc="http://schemas.openxmlformats.org/markup-compatibility/2006">
               <mc:Choice xmlns:v="urn:schemas-microsoft-com:vml" Requires="v">
-                <p:oleObj spid="_x0000_s5194" name="Équation" r:id="rId3" imgW="3466800" imgH="266400" progId="Equation.3">
+                <p:oleObj spid="_x0000_s5197" name="Équation" r:id="rId3" imgW="3466800" imgH="266400" progId="Equation.3">
                   <p:embed/>
                 </p:oleObj>
               </mc:Choice>
@@ -10273,7 +10286,7 @@
           <a:graphicData uri="http://schemas.openxmlformats.org/presentationml/2006/ole">
             <mc:AlternateContent xmlns:mc="http://schemas.openxmlformats.org/markup-compatibility/2006">
               <mc:Choice xmlns:v="urn:schemas-microsoft-com:vml" Requires="v">
-                <p:oleObj spid="_x0000_s5195" name="Équation" r:id="rId5" imgW="3213000" imgH="761760" progId="Equation.3">
+                <p:oleObj spid="_x0000_s5198" name="Équation" r:id="rId5" imgW="3213000" imgH="761760" progId="Equation.3">
                   <p:embed/>
                 </p:oleObj>
               </mc:Choice>
@@ -10351,7 +10364,7 @@
           <a:graphicData uri="http://schemas.openxmlformats.org/presentationml/2006/ole">
             <mc:AlternateContent xmlns:mc="http://schemas.openxmlformats.org/markup-compatibility/2006">
               <mc:Choice xmlns:v="urn:schemas-microsoft-com:vml" Requires="v">
-                <p:oleObj spid="_x0000_s5196" name="Équation" r:id="rId7" imgW="2806560" imgH="444240" progId="Equation.3">
+                <p:oleObj spid="_x0000_s5199" name="Équation" r:id="rId7" imgW="2806560" imgH="444240" progId="Equation.3">
                   <p:embed/>
                 </p:oleObj>
               </mc:Choice>
